--- a/Section5-Server/Chapter04-Node.js/第2天/课件/02_模块化.pptx
+++ b/Section5-Server/Chapter04-Node.js/第2天/课件/02_模块化.pptx
@@ -598,6 +598,50 @@
             <a:fld id="{C23ABF34-43AD-46C7-9AC8-FDA89E9FD9BE}" type="slidenum">
               <a:rPr lang="zh-CN" altLang="en-US" smtClean="0"/>
             </a:fld>
+            <a:endParaRPr lang="zh-CN" altLang="en-US"/>
+          </a:p>
+        </p:txBody>
+      </p:sp>
+    </p:spTree>
+  </p:cSld>
+  <p:clrMapOvr>
+    <a:masterClrMapping/>
+  </p:clrMapOvr>
+</p:notes>
+</file>
+
+<file path=ppt/notesSlides/notesSlide2.xml><?xml version="1.0" encoding="utf-8"?>
+<p:notes xmlns:a="http://schemas.openxmlformats.org/drawingml/2006/main" xmlns:r="http://schemas.openxmlformats.org/officeDocument/2006/relationships" xmlns:p="http://schemas.openxmlformats.org/presentationml/2006/main">
+  <p:cSld>
+    <p:spTree>
+      <p:nvGrpSpPr>
+        <p:cNvPr id="1" name=""/>
+        <p:cNvGrpSpPr/>
+        <p:nvPr/>
+      </p:nvGrpSpPr>
+      <p:grpSpPr/>
+      <p:sp>
+        <p:nvSpPr>
+          <p:cNvPr id="2" name="幻灯片图像占位符 1"/>
+          <p:cNvSpPr/>
+          <p:nvPr>
+            <p:ph type="sldImg" idx="2"/>
+          </p:nvPr>
+        </p:nvSpPr>
+        <p:spPr/>
+      </p:sp>
+      <p:sp>
+        <p:nvSpPr>
+          <p:cNvPr id="3" name="文本占位符 2"/>
+          <p:cNvSpPr/>
+          <p:nvPr>
+            <p:ph type="body" idx="3"/>
+          </p:nvPr>
+        </p:nvSpPr>
+        <p:spPr/>
+        <p:txBody>
+          <a:bodyPr/>
+          <a:p>
             <a:endParaRPr lang="zh-CN" altLang="en-US"/>
           </a:p>
         </p:txBody>
